--- a/Proyecto Violencia.pptx
+++ b/Proyecto Violencia.pptx
@@ -17,13 +17,13 @@
     <p:sldId id="272" r:id="rId11"/>
     <p:sldId id="273" r:id="rId12"/>
     <p:sldId id="274" r:id="rId13"/>
-    <p:sldId id="275" r:id="rId14"/>
-    <p:sldId id="276" r:id="rId15"/>
-    <p:sldId id="277" r:id="rId16"/>
-    <p:sldId id="278" r:id="rId17"/>
-    <p:sldId id="279" r:id="rId18"/>
-    <p:sldId id="280" r:id="rId19"/>
-    <p:sldId id="257" r:id="rId20"/>
+    <p:sldId id="281" r:id="rId14"/>
+    <p:sldId id="275" r:id="rId15"/>
+    <p:sldId id="276" r:id="rId16"/>
+    <p:sldId id="277" r:id="rId17"/>
+    <p:sldId id="278" r:id="rId18"/>
+    <p:sldId id="279" r:id="rId19"/>
+    <p:sldId id="280" r:id="rId20"/>
   </p:sldIdLst>
   <p:sldSz cx="12192000" cy="6858000"/>
   <p:notesSz cx="6858000" cy="9144000"/>
@@ -279,7 +279,7 @@
           <a:p>
             <a:fld id="{5023AB0B-4220-4D7E-826E-3D7298AFB875}" type="datetimeFigureOut">
               <a:rPr lang="es-CO" smtClean="0"/>
-              <a:t>27/11/2020</a:t>
+              <a:t>2/12/2020</a:t>
             </a:fld>
             <a:endParaRPr lang="es-CO"/>
           </a:p>
@@ -479,7 +479,7 @@
           <a:p>
             <a:fld id="{5023AB0B-4220-4D7E-826E-3D7298AFB875}" type="datetimeFigureOut">
               <a:rPr lang="es-CO" smtClean="0"/>
-              <a:t>27/11/2020</a:t>
+              <a:t>2/12/2020</a:t>
             </a:fld>
             <a:endParaRPr lang="es-CO"/>
           </a:p>
@@ -689,7 +689,7 @@
           <a:p>
             <a:fld id="{5023AB0B-4220-4D7E-826E-3D7298AFB875}" type="datetimeFigureOut">
               <a:rPr lang="es-CO" smtClean="0"/>
-              <a:t>27/11/2020</a:t>
+              <a:t>2/12/2020</a:t>
             </a:fld>
             <a:endParaRPr lang="es-CO"/>
           </a:p>
@@ -889,7 +889,7 @@
           <a:p>
             <a:fld id="{5023AB0B-4220-4D7E-826E-3D7298AFB875}" type="datetimeFigureOut">
               <a:rPr lang="es-CO" smtClean="0"/>
-              <a:t>27/11/2020</a:t>
+              <a:t>2/12/2020</a:t>
             </a:fld>
             <a:endParaRPr lang="es-CO"/>
           </a:p>
@@ -1165,7 +1165,7 @@
           <a:p>
             <a:fld id="{5023AB0B-4220-4D7E-826E-3D7298AFB875}" type="datetimeFigureOut">
               <a:rPr lang="es-CO" smtClean="0"/>
-              <a:t>27/11/2020</a:t>
+              <a:t>2/12/2020</a:t>
             </a:fld>
             <a:endParaRPr lang="es-CO"/>
           </a:p>
@@ -1433,7 +1433,7 @@
           <a:p>
             <a:fld id="{5023AB0B-4220-4D7E-826E-3D7298AFB875}" type="datetimeFigureOut">
               <a:rPr lang="es-CO" smtClean="0"/>
-              <a:t>27/11/2020</a:t>
+              <a:t>2/12/2020</a:t>
             </a:fld>
             <a:endParaRPr lang="es-CO"/>
           </a:p>
@@ -1848,7 +1848,7 @@
           <a:p>
             <a:fld id="{5023AB0B-4220-4D7E-826E-3D7298AFB875}" type="datetimeFigureOut">
               <a:rPr lang="es-CO" smtClean="0"/>
-              <a:t>27/11/2020</a:t>
+              <a:t>2/12/2020</a:t>
             </a:fld>
             <a:endParaRPr lang="es-CO"/>
           </a:p>
@@ -1990,7 +1990,7 @@
           <a:p>
             <a:fld id="{5023AB0B-4220-4D7E-826E-3D7298AFB875}" type="datetimeFigureOut">
               <a:rPr lang="es-CO" smtClean="0"/>
-              <a:t>27/11/2020</a:t>
+              <a:t>2/12/2020</a:t>
             </a:fld>
             <a:endParaRPr lang="es-CO"/>
           </a:p>
@@ -2103,7 +2103,7 @@
           <a:p>
             <a:fld id="{5023AB0B-4220-4D7E-826E-3D7298AFB875}" type="datetimeFigureOut">
               <a:rPr lang="es-CO" smtClean="0"/>
-              <a:t>27/11/2020</a:t>
+              <a:t>2/12/2020</a:t>
             </a:fld>
             <a:endParaRPr lang="es-CO"/>
           </a:p>
@@ -2416,7 +2416,7 @@
           <a:p>
             <a:fld id="{5023AB0B-4220-4D7E-826E-3D7298AFB875}" type="datetimeFigureOut">
               <a:rPr lang="es-CO" smtClean="0"/>
-              <a:t>27/11/2020</a:t>
+              <a:t>2/12/2020</a:t>
             </a:fld>
             <a:endParaRPr lang="es-CO"/>
           </a:p>
@@ -2705,7 +2705,7 @@
           <a:p>
             <a:fld id="{5023AB0B-4220-4D7E-826E-3D7298AFB875}" type="datetimeFigureOut">
               <a:rPr lang="es-CO" smtClean="0"/>
-              <a:t>27/11/2020</a:t>
+              <a:t>2/12/2020</a:t>
             </a:fld>
             <a:endParaRPr lang="es-CO"/>
           </a:p>
@@ -2948,7 +2948,7 @@
           <a:p>
             <a:fld id="{5023AB0B-4220-4D7E-826E-3D7298AFB875}" type="datetimeFigureOut">
               <a:rPr lang="es-CO" smtClean="0"/>
-              <a:t>27/11/2020</a:t>
+              <a:t>2/12/2020</a:t>
             </a:fld>
             <a:endParaRPr lang="es-CO"/>
           </a:p>
@@ -3471,7 +3471,23 @@
                   <a:schemeClr val="bg1"/>
                 </a:solidFill>
               </a:rPr>
-              <a:t>Modelo para apoyar a detección de violencia contra la mujer </a:t>
+              <a:t>Modelo para apoyar </a:t>
+            </a:r>
+            <a:r>
+              <a:rPr lang="es-CO" sz="3600" dirty="0" smtClean="0">
+                <a:solidFill>
+                  <a:schemeClr val="bg1"/>
+                </a:solidFill>
+              </a:rPr>
+              <a:t>la </a:t>
+            </a:r>
+            <a:r>
+              <a:rPr lang="es-CO" sz="3600" dirty="0">
+                <a:solidFill>
+                  <a:schemeClr val="bg1"/>
+                </a:solidFill>
+              </a:rPr>
+              <a:t>detección de violencia contra la mujer </a:t>
             </a:r>
             <a:endParaRPr lang="es-CO" sz="3600" dirty="0" smtClean="0">
               <a:solidFill>
@@ -4558,6 +4574,169 @@
           </a:prstGeom>
         </p:spPr>
       </p:pic>
+      <p:pic>
+        <p:nvPicPr>
+          <p:cNvPr id="3" name="Imagen 2"/>
+          <p:cNvPicPr>
+            <a:picLocks noChangeAspect="1"/>
+          </p:cNvPicPr>
+          <p:nvPr/>
+        </p:nvPicPr>
+        <p:blipFill>
+          <a:blip r:embed="rId3"/>
+          <a:stretch>
+            <a:fillRect/>
+          </a:stretch>
+        </p:blipFill>
+        <p:spPr>
+          <a:xfrm>
+            <a:off x="1971182" y="1587273"/>
+            <a:ext cx="10058210" cy="5270727"/>
+          </a:xfrm>
+          <a:prstGeom prst="rect">
+            <a:avLst/>
+          </a:prstGeom>
+        </p:spPr>
+      </p:pic>
+    </p:spTree>
+    <p:extLst>
+      <p:ext uri="{BB962C8B-B14F-4D97-AF65-F5344CB8AC3E}">
+        <p14:creationId xmlns:p14="http://schemas.microsoft.com/office/powerpoint/2010/main" val="51215940"/>
+      </p:ext>
+    </p:extLst>
+  </p:cSld>
+  <p:clrMapOvr>
+    <a:masterClrMapping/>
+  </p:clrMapOvr>
+  <p:timing>
+    <p:tnLst>
+      <p:par>
+        <p:cTn id="1" dur="indefinite" restart="never" nodeType="tmRoot"/>
+      </p:par>
+    </p:tnLst>
+  </p:timing>
+</p:sld>
+</file>
+
+<file path=ppt/slides/slide14.xml><?xml version="1.0" encoding="utf-8"?>
+<p:sld xmlns:a="http://schemas.openxmlformats.org/drawingml/2006/main" xmlns:r="http://schemas.openxmlformats.org/officeDocument/2006/relationships" xmlns:p="http://schemas.openxmlformats.org/presentationml/2006/main">
+  <p:cSld>
+    <p:spTree>
+      <p:nvGrpSpPr>
+        <p:cNvPr id="1" name=""/>
+        <p:cNvGrpSpPr/>
+        <p:nvPr/>
+      </p:nvGrpSpPr>
+      <p:grpSpPr>
+        <a:xfrm>
+          <a:off x="0" y="0"/>
+          <a:ext cx="0" cy="0"/>
+          <a:chOff x="0" y="0"/>
+          <a:chExt cx="0" cy="0"/>
+        </a:xfrm>
+      </p:grpSpPr>
+      <p:sp>
+        <p:nvSpPr>
+          <p:cNvPr id="11" name="CuadroTexto 10">
+            <a:extLst>
+              <a:ext uri="{FF2B5EF4-FFF2-40B4-BE49-F238E27FC236}">
+                <a16:creationId xmlns:a16="http://schemas.microsoft.com/office/drawing/2014/main" id="{F7DE4CF8-DE1B-4EA8-AB29-13DFAAF210D6}"/>
+              </a:ext>
+            </a:extLst>
+          </p:cNvPr>
+          <p:cNvSpPr txBox="1"/>
+          <p:nvPr/>
+        </p:nvSpPr>
+        <p:spPr>
+          <a:xfrm>
+            <a:off x="1971182" y="485775"/>
+            <a:ext cx="5422254" cy="461665"/>
+          </a:xfrm>
+          <a:prstGeom prst="rect">
+            <a:avLst/>
+          </a:prstGeom>
+          <a:solidFill>
+            <a:srgbClr val="002060"/>
+          </a:solidFill>
+        </p:spPr>
+        <p:txBody>
+          <a:bodyPr wrap="none" rtlCol="0">
+            <a:spAutoFit/>
+          </a:bodyPr>
+          <a:lstStyle/>
+          <a:p>
+            <a:r>
+              <a:rPr lang="es-MX" sz="2400" dirty="0" err="1" smtClean="0">
+                <a:solidFill>
+                  <a:schemeClr val="bg1"/>
+                </a:solidFill>
+              </a:rPr>
+              <a:t>Preprocesamineto</a:t>
+            </a:r>
+            <a:r>
+              <a:rPr lang="es-MX" sz="2400" dirty="0" smtClean="0">
+                <a:solidFill>
+                  <a:schemeClr val="bg1"/>
+                </a:solidFill>
+              </a:rPr>
+              <a:t> – </a:t>
+            </a:r>
+            <a:r>
+              <a:rPr lang="es-MX" sz="2400" dirty="0" err="1" smtClean="0">
+                <a:solidFill>
+                  <a:schemeClr val="bg1"/>
+                </a:solidFill>
+              </a:rPr>
+              <a:t>Feature</a:t>
+            </a:r>
+            <a:r>
+              <a:rPr lang="es-MX" sz="2400" dirty="0" smtClean="0">
+                <a:solidFill>
+                  <a:schemeClr val="bg1"/>
+                </a:solidFill>
+              </a:rPr>
+              <a:t> </a:t>
+            </a:r>
+            <a:r>
+              <a:rPr lang="es-MX" sz="2400" dirty="0" err="1" smtClean="0">
+                <a:solidFill>
+                  <a:schemeClr val="bg1"/>
+                </a:solidFill>
+              </a:rPr>
+              <a:t>Engineeering</a:t>
+            </a:r>
+            <a:endParaRPr lang="es-CO" sz="2400" dirty="0">
+              <a:solidFill>
+                <a:schemeClr val="bg1"/>
+              </a:solidFill>
+            </a:endParaRPr>
+          </a:p>
+        </p:txBody>
+      </p:sp>
+      <p:pic>
+        <p:nvPicPr>
+          <p:cNvPr id="4" name="Imagen 3"/>
+          <p:cNvPicPr>
+            <a:picLocks noChangeAspect="1"/>
+          </p:cNvPicPr>
+          <p:nvPr/>
+        </p:nvPicPr>
+        <p:blipFill>
+          <a:blip r:embed="rId2"/>
+          <a:stretch>
+            <a:fillRect/>
+          </a:stretch>
+        </p:blipFill>
+        <p:spPr>
+          <a:xfrm>
+            <a:off x="29110" y="0"/>
+            <a:ext cx="1813484" cy="6898544"/>
+          </a:xfrm>
+          <a:prstGeom prst="rect">
+            <a:avLst/>
+          </a:prstGeom>
+        </p:spPr>
+      </p:pic>
       <p:sp>
         <p:nvSpPr>
           <p:cNvPr id="5" name="Marcador de contenido 2"/>
@@ -4930,7 +5109,7 @@
 </p:sld>
 </file>
 
-<file path=ppt/slides/slide14.xml><?xml version="1.0" encoding="utf-8"?>
+<file path=ppt/slides/slide15.xml><?xml version="1.0" encoding="utf-8"?>
 <p:sld xmlns:a="http://schemas.openxmlformats.org/drawingml/2006/main" xmlns:r="http://schemas.openxmlformats.org/officeDocument/2006/relationships" xmlns:p="http://schemas.openxmlformats.org/presentationml/2006/main">
   <p:cSld>
     <p:spTree>
@@ -5413,7 +5592,7 @@
 </p:sld>
 </file>
 
-<file path=ppt/slides/slide15.xml><?xml version="1.0" encoding="utf-8"?>
+<file path=ppt/slides/slide16.xml><?xml version="1.0" encoding="utf-8"?>
 <p:sld xmlns:a="http://schemas.openxmlformats.org/drawingml/2006/main" xmlns:r="http://schemas.openxmlformats.org/officeDocument/2006/relationships" xmlns:p="http://schemas.openxmlformats.org/presentationml/2006/main">
   <p:cSld>
     <p:spTree>
@@ -5774,7 +5953,7 @@
 </p:sld>
 </file>
 
-<file path=ppt/slides/slide16.xml><?xml version="1.0" encoding="utf-8"?>
+<file path=ppt/slides/slide17.xml><?xml version="1.0" encoding="utf-8"?>
 <p:sld xmlns:a="http://schemas.openxmlformats.org/drawingml/2006/main" xmlns:r="http://schemas.openxmlformats.org/officeDocument/2006/relationships" xmlns:p="http://schemas.openxmlformats.org/presentationml/2006/main">
   <p:cSld>
     <p:spTree>
@@ -6103,7 +6282,7 @@
 </p:sld>
 </file>
 
-<file path=ppt/slides/slide17.xml><?xml version="1.0" encoding="utf-8"?>
+<file path=ppt/slides/slide18.xml><?xml version="1.0" encoding="utf-8"?>
 <p:sld xmlns:a="http://schemas.openxmlformats.org/drawingml/2006/main" xmlns:r="http://schemas.openxmlformats.org/officeDocument/2006/relationships" xmlns:p="http://schemas.openxmlformats.org/presentationml/2006/main">
   <p:cSld>
     <p:spTree>
@@ -8788,7 +8967,7 @@
 </p:sld>
 </file>
 
-<file path=ppt/slides/slide18.xml><?xml version="1.0" encoding="utf-8"?>
+<file path=ppt/slides/slide19.xml><?xml version="1.0" encoding="utf-8"?>
 <p:sld xmlns:a="http://schemas.openxmlformats.org/drawingml/2006/main" xmlns:r="http://schemas.openxmlformats.org/officeDocument/2006/relationships" xmlns:p="http://schemas.openxmlformats.org/presentationml/2006/main">
   <p:cSld>
     <p:spTree>
@@ -9146,279 +9325,6 @@
       </p:par>
     </p:tnLst>
   </p:timing>
-</p:sld>
-</file>
-
-<file path=ppt/slides/slide19.xml><?xml version="1.0" encoding="utf-8"?>
-<p:sld xmlns:a="http://schemas.openxmlformats.org/drawingml/2006/main" xmlns:r="http://schemas.openxmlformats.org/officeDocument/2006/relationships" xmlns:p="http://schemas.openxmlformats.org/presentationml/2006/main">
-  <p:cSld>
-    <p:spTree>
-      <p:nvGrpSpPr>
-        <p:cNvPr id="1" name=""/>
-        <p:cNvGrpSpPr/>
-        <p:nvPr/>
-      </p:nvGrpSpPr>
-      <p:grpSpPr>
-        <a:xfrm>
-          <a:off x="0" y="0"/>
-          <a:ext cx="0" cy="0"/>
-          <a:chOff x="0" y="0"/>
-          <a:chExt cx="0" cy="0"/>
-        </a:xfrm>
-      </p:grpSpPr>
-      <p:graphicFrame>
-        <p:nvGraphicFramePr>
-          <p:cNvPr id="4" name="Tabla 3">
-            <a:extLst>
-              <a:ext uri="{FF2B5EF4-FFF2-40B4-BE49-F238E27FC236}">
-                <a16:creationId xmlns:a16="http://schemas.microsoft.com/office/drawing/2014/main" id="{A1F18123-A548-4DB6-8D3F-01AF530351BD}"/>
-              </a:ext>
-            </a:extLst>
-          </p:cNvPr>
-          <p:cNvGraphicFramePr>
-            <a:graphicFrameLocks noGrp="1"/>
-          </p:cNvGraphicFramePr>
-          <p:nvPr/>
-        </p:nvGraphicFramePr>
-        <p:xfrm>
-          <a:off x="883460" y="1806734"/>
-          <a:ext cx="10425080" cy="4351338"/>
-        </p:xfrm>
-        <a:graphic>
-          <a:graphicData uri="http://schemas.openxmlformats.org/drawingml/2006/table">
-            <a:tbl>
-              <a:tblPr/>
-              <a:tblGrid>
-                <a:gridCol w="10425080">
-                  <a:extLst>
-                    <a:ext uri="{9D8B030D-6E8A-4147-A177-3AD203B41FA5}">
-                      <a16:colId xmlns:a16="http://schemas.microsoft.com/office/drawing/2014/main" val="2548339955"/>
-                    </a:ext>
-                  </a:extLst>
-                </a:gridCol>
-              </a:tblGrid>
-              <a:tr h="4351338">
-                <a:tc>
-                  <a:txBody>
-                    <a:bodyPr/>
-                    <a:lstStyle/>
-                    <a:p>
-                      <a:pPr algn="l" rtl="0"/>
-                      <a:r>
-                        <a:rPr lang="en-US" sz="1800" b="0" dirty="0" err="1">
-                          <a:solidFill>
-                            <a:srgbClr val="666666"/>
-                          </a:solidFill>
-                          <a:effectLst/>
-                          <a:latin typeface="Century Gothic" panose="020B0502020202020204" pitchFamily="34" charset="0"/>
-                        </a:rPr>
-                        <a:t>Ultimos</a:t>
-                      </a:r>
-                      <a:r>
-                        <a:rPr lang="en-US" sz="1800" b="0" dirty="0">
-                          <a:solidFill>
-                            <a:srgbClr val="666666"/>
-                          </a:solidFill>
-                          <a:effectLst/>
-                          <a:latin typeface="Century Gothic" panose="020B0502020202020204" pitchFamily="34" charset="0"/>
-                        </a:rPr>
-                        <a:t> </a:t>
-                      </a:r>
-                      <a:r>
-                        <a:rPr lang="en-US" sz="1800" b="0" dirty="0" err="1">
-                          <a:solidFill>
-                            <a:srgbClr val="666666"/>
-                          </a:solidFill>
-                          <a:effectLst/>
-                          <a:latin typeface="Century Gothic" panose="020B0502020202020204" pitchFamily="34" charset="0"/>
-                        </a:rPr>
-                        <a:t>avances</a:t>
-                      </a:r>
-                      <a:r>
-                        <a:rPr lang="en-US" sz="1800" b="0" dirty="0">
-                          <a:solidFill>
-                            <a:srgbClr val="666666"/>
-                          </a:solidFill>
-                          <a:effectLst/>
-                          <a:latin typeface="Century Gothic" panose="020B0502020202020204" pitchFamily="34" charset="0"/>
-                        </a:rPr>
-                        <a:t> </a:t>
-                      </a:r>
-                      <a:r>
-                        <a:rPr lang="en-US" sz="1800" b="0" dirty="0" err="1">
-                          <a:solidFill>
-                            <a:srgbClr val="666666"/>
-                          </a:solidFill>
-                          <a:effectLst/>
-                          <a:latin typeface="Century Gothic" panose="020B0502020202020204" pitchFamily="34" charset="0"/>
-                        </a:rPr>
-                        <a:t>en</a:t>
-                      </a:r>
-                      <a:r>
-                        <a:rPr lang="en-US" sz="1800" b="0" dirty="0">
-                          <a:solidFill>
-                            <a:srgbClr val="666666"/>
-                          </a:solidFill>
-                          <a:effectLst/>
-                          <a:latin typeface="Century Gothic" panose="020B0502020202020204" pitchFamily="34" charset="0"/>
-                        </a:rPr>
-                        <a:t> </a:t>
-                      </a:r>
-                      <a:r>
-                        <a:rPr lang="en-US" sz="1800" b="0" dirty="0" err="1">
-                          <a:solidFill>
-                            <a:srgbClr val="666666"/>
-                          </a:solidFill>
-                          <a:effectLst/>
-                          <a:latin typeface="Century Gothic" panose="020B0502020202020204" pitchFamily="34" charset="0"/>
-                        </a:rPr>
-                        <a:t>medicina</a:t>
-                      </a:r>
-                      <a:r>
-                        <a:rPr lang="en-US" sz="1800" b="0" dirty="0">
-                          <a:solidFill>
-                            <a:srgbClr val="666666"/>
-                          </a:solidFill>
-                          <a:effectLst/>
-                          <a:latin typeface="Century Gothic" panose="020B0502020202020204" pitchFamily="34" charset="0"/>
-                        </a:rPr>
-                        <a:t>:  PDT (</a:t>
-                      </a:r>
-                      <a:r>
-                        <a:rPr lang="en-US" sz="1800" b="0" dirty="0">
-                          <a:solidFill>
-                            <a:srgbClr val="1155CC"/>
-                          </a:solidFill>
-                          <a:effectLst/>
-                          <a:latin typeface="Century Gothic" panose="020B0502020202020204" pitchFamily="34" charset="0"/>
-                        </a:rPr>
-                        <a:t>Prescription Digital Therapeutics )</a:t>
-                      </a:r>
-                      <a:r>
-                        <a:rPr lang="en-US" sz="1800" b="0" dirty="0">
-                          <a:solidFill>
-                            <a:srgbClr val="666666"/>
-                          </a:solidFill>
-                          <a:effectLst/>
-                          <a:latin typeface="Century Gothic" panose="020B0502020202020204" pitchFamily="34" charset="0"/>
-                        </a:rPr>
-                        <a:t> </a:t>
-                      </a:r>
-                    </a:p>
-                    <a:p>
-                      <a:pPr algn="l" rtl="0"/>
-                      <a:r>
-                        <a:rPr lang="en-US" sz="1800" b="0" dirty="0">
-                          <a:solidFill>
-                            <a:srgbClr val="666666"/>
-                          </a:solidFill>
-                          <a:effectLst/>
-                          <a:latin typeface="Century Gothic" panose="020B0502020202020204" pitchFamily="34" charset="0"/>
-                        </a:rPr>
-                        <a:t> </a:t>
-                      </a:r>
-                    </a:p>
-                    <a:p>
-                      <a:pPr algn="l" rtl="0"/>
-                      <a:r>
-                        <a:rPr lang="en-US" sz="1800" b="0" dirty="0">
-                          <a:solidFill>
-                            <a:srgbClr val="666666"/>
-                          </a:solidFill>
-                          <a:effectLst/>
-                          <a:latin typeface="Century Gothic" panose="020B0502020202020204" pitchFamily="34" charset="0"/>
-                        </a:rPr>
-                        <a:t> </a:t>
-                      </a:r>
-                    </a:p>
-                    <a:p>
-                      <a:pPr marL="0" algn="l" defTabSz="914400" rtl="0" eaLnBrk="1" latinLnBrk="0" hangingPunct="1"/>
-                      <a:r>
-                        <a:rPr lang="es-ES" sz="1800" b="0" kern="1200" dirty="0">
-                          <a:solidFill>
-                            <a:srgbClr val="666666"/>
-                          </a:solidFill>
-                          <a:effectLst/>
-                          <a:latin typeface="Century Gothic" panose="020B0502020202020204" pitchFamily="34" charset="0"/>
-                          <a:ea typeface="+mn-ea"/>
-                          <a:cs typeface="+mn-cs"/>
-                        </a:rPr>
-                        <a:t>la pregunta sigue siendo si la terapéutica digital puede integrarse de manera exitosa y sostenible en el sistema de salud de EE. UU. Los desafíos regulatorios y la adopción del pagador son desafíos que han dominado la conversación hasta ahora en el mundo de la PDT, pero la validación clínica, las aprobaciones de la FDA y la cobertura de reembolso no son suficientes. La adopción por parte de un médico es un elemento crucial, aunque mayoritariamente pasado por alto, que determinará el destino de las PDT.</a:t>
-                      </a:r>
-                    </a:p>
-                    <a:p>
-                      <a:pPr algn="l" rtl="0"/>
-                      <a:endParaRPr lang="en-US" sz="1800" b="0" dirty="0">
-                        <a:solidFill>
-                          <a:srgbClr val="666666"/>
-                        </a:solidFill>
-                        <a:effectLst/>
-                        <a:latin typeface="Century Gothic" panose="020B0502020202020204" pitchFamily="34" charset="0"/>
-                      </a:endParaRPr>
-                    </a:p>
-                    <a:p>
-                      <a:pPr marL="0" algn="l" defTabSz="914400" rtl="0" eaLnBrk="1" latinLnBrk="0" hangingPunct="1"/>
-                      <a:r>
-                        <a:rPr lang="es-ES" sz="1800" b="0" kern="1200" dirty="0">
-                          <a:solidFill>
-                            <a:srgbClr val="666666"/>
-                          </a:solidFill>
-                          <a:effectLst/>
-                          <a:latin typeface="Century Gothic" panose="020B0502020202020204" pitchFamily="34" charset="0"/>
-                          <a:ea typeface="+mn-ea"/>
-                          <a:cs typeface="+mn-cs"/>
-                        </a:rPr>
-                        <a:t>Solo cinco PDT han obtenido la aprobación de la FDA. Otras startups han creado terapias digitales que tratan los trastornos digestivos, el dolor musculoesquelético y los síntomas del cáncer.</a:t>
-                      </a:r>
-                      <a:endParaRPr lang="en-US" sz="1800" b="0" kern="1200" dirty="0">
-                        <a:solidFill>
-                          <a:srgbClr val="666666"/>
-                        </a:solidFill>
-                        <a:effectLst/>
-                        <a:latin typeface="Century Gothic" panose="020B0502020202020204" pitchFamily="34" charset="0"/>
-                        <a:ea typeface="+mn-ea"/>
-                        <a:cs typeface="+mn-cs"/>
-                      </a:endParaRPr>
-                    </a:p>
-                  </a:txBody>
-                  <a:tcPr marL="0" marR="0" marT="0" marB="0">
-                    <a:lnL>
-                      <a:noFill/>
-                    </a:lnL>
-                    <a:lnR>
-                      <a:noFill/>
-                    </a:lnR>
-                    <a:lnT>
-                      <a:noFill/>
-                    </a:lnT>
-                    <a:lnB>
-                      <a:noFill/>
-                    </a:lnB>
-                    <a:solidFill>
-                      <a:srgbClr val="FFFFFF"/>
-                    </a:solidFill>
-                  </a:tcPr>
-                </a:tc>
-                <a:extLst>
-                  <a:ext uri="{0D108BD9-81ED-4DB2-BD59-A6C34878D82A}">
-                    <a16:rowId xmlns:a16="http://schemas.microsoft.com/office/drawing/2014/main" val="2965201038"/>
-                  </a:ext>
-                </a:extLst>
-              </a:tr>
-            </a:tbl>
-          </a:graphicData>
-        </a:graphic>
-      </p:graphicFrame>
-    </p:spTree>
-    <p:extLst>
-      <p:ext uri="{BB962C8B-B14F-4D97-AF65-F5344CB8AC3E}">
-        <p14:creationId xmlns:p14="http://schemas.microsoft.com/office/powerpoint/2010/main" val="3470581473"/>
-      </p:ext>
-    </p:extLst>
-  </p:cSld>
-  <p:clrMapOvr>
-    <a:masterClrMapping/>
-  </p:clrMapOvr>
 </p:sld>
 </file>
 
@@ -10563,7 +10469,6 @@
               <a:rPr lang="es-MX" dirty="0" smtClean="0"/>
               <a:t>Los profesionales médicos pueden omitir o pasar por alto la aplicación de la encuesta de Violencia, a pesar de contar con información para tomar la decisión  de aplicarla</a:t>
             </a:r>
-            <a:endParaRPr lang="es-MX" dirty="0" smtClean="0"/>
           </a:p>
         </p:txBody>
       </p:sp>
